--- a/docs/lesson_telegram_bot.pptx
+++ b/docs/lesson_telegram_bot.pptx
@@ -5,7 +5,7 @@
     <p:sldMasterId id="2147483648" r:id="rId1"/>
   </p:sldMasterIdLst>
   <p:notesMasterIdLst>
-    <p:notesMasterId r:id="rId31"/>
+    <p:notesMasterId r:id="rId29"/>
   </p:notesMasterIdLst>
   <p:sldIdLst>
     <p:sldId id="256" r:id="rId2"/>
@@ -34,9 +34,7 @@
     <p:sldId id="349" r:id="rId25"/>
     <p:sldId id="347" r:id="rId26"/>
     <p:sldId id="350" r:id="rId27"/>
-    <p:sldId id="351" r:id="rId28"/>
-    <p:sldId id="352" r:id="rId29"/>
-    <p:sldId id="305" r:id="rId30"/>
+    <p:sldId id="305" r:id="rId28"/>
   </p:sldIdLst>
   <p:sldSz cx="12192000" cy="6858000"/>
   <p:notesSz cx="6858000" cy="9144000"/>
@@ -166,8 +164,6 @@
             <p14:sldId id="349"/>
             <p14:sldId id="347"/>
             <p14:sldId id="350"/>
-            <p14:sldId id="351"/>
-            <p14:sldId id="352"/>
           </p14:sldIdLst>
         </p14:section>
         <p14:section name="Untitled Section" id="{03EDBFE7-8776-46A4-ACAB-D76136498E89}">
@@ -277,7 +273,7 @@
           <a:p>
             <a:fld id="{02324BB6-ADF9-477E-BA61-F60537F49E1A}" type="datetimeFigureOut">
               <a:rPr lang="ru-RU" smtClean="0"/>
-              <a:t>02.12.2020</a:t>
+              <a:t>03.12.2020</a:t>
             </a:fld>
             <a:endParaRPr lang="ru-RU"/>
           </a:p>
@@ -726,7 +722,7 @@
           <a:p>
             <a:fld id="{FC1A96A7-B107-4A76-9BCA-351E6EBF71DD}" type="datetimeFigureOut">
               <a:rPr lang="ru-RU" smtClean="0"/>
-              <a:t>02.12.2020</a:t>
+              <a:t>03.12.2020</a:t>
             </a:fld>
             <a:endParaRPr lang="ru-RU"/>
           </a:p>
@@ -903,7 +899,7 @@
           <a:p>
             <a:fld id="{FC1A96A7-B107-4A76-9BCA-351E6EBF71DD}" type="datetimeFigureOut">
               <a:rPr lang="ru-RU" smtClean="0"/>
-              <a:t>02.12.2020</a:t>
+              <a:t>03.12.2020</a:t>
             </a:fld>
             <a:endParaRPr lang="ru-RU"/>
           </a:p>
@@ -1083,7 +1079,7 @@
           <a:p>
             <a:fld id="{FC1A96A7-B107-4A76-9BCA-351E6EBF71DD}" type="datetimeFigureOut">
               <a:rPr lang="ru-RU" smtClean="0"/>
-              <a:t>02.12.2020</a:t>
+              <a:t>03.12.2020</a:t>
             </a:fld>
             <a:endParaRPr lang="ru-RU"/>
           </a:p>
@@ -1253,7 +1249,7 @@
           <a:p>
             <a:fld id="{FC1A96A7-B107-4A76-9BCA-351E6EBF71DD}" type="datetimeFigureOut">
               <a:rPr lang="ru-RU" smtClean="0"/>
-              <a:t>02.12.2020</a:t>
+              <a:t>03.12.2020</a:t>
             </a:fld>
             <a:endParaRPr lang="ru-RU"/>
           </a:p>
@@ -1499,7 +1495,7 @@
           <a:p>
             <a:fld id="{FC1A96A7-B107-4A76-9BCA-351E6EBF71DD}" type="datetimeFigureOut">
               <a:rPr lang="ru-RU" smtClean="0"/>
-              <a:t>02.12.2020</a:t>
+              <a:t>03.12.2020</a:t>
             </a:fld>
             <a:endParaRPr lang="ru-RU"/>
           </a:p>
@@ -1787,7 +1783,7 @@
           <a:p>
             <a:fld id="{FC1A96A7-B107-4A76-9BCA-351E6EBF71DD}" type="datetimeFigureOut">
               <a:rPr lang="ru-RU" smtClean="0"/>
-              <a:t>02.12.2020</a:t>
+              <a:t>03.12.2020</a:t>
             </a:fld>
             <a:endParaRPr lang="ru-RU"/>
           </a:p>
@@ -2209,7 +2205,7 @@
           <a:p>
             <a:fld id="{FC1A96A7-B107-4A76-9BCA-351E6EBF71DD}" type="datetimeFigureOut">
               <a:rPr lang="ru-RU" smtClean="0"/>
-              <a:t>02.12.2020</a:t>
+              <a:t>03.12.2020</a:t>
             </a:fld>
             <a:endParaRPr lang="ru-RU"/>
           </a:p>
@@ -2327,7 +2323,7 @@
           <a:p>
             <a:fld id="{FC1A96A7-B107-4A76-9BCA-351E6EBF71DD}" type="datetimeFigureOut">
               <a:rPr lang="ru-RU" smtClean="0"/>
-              <a:t>02.12.2020</a:t>
+              <a:t>03.12.2020</a:t>
             </a:fld>
             <a:endParaRPr lang="ru-RU"/>
           </a:p>
@@ -2422,7 +2418,7 @@
           <a:p>
             <a:fld id="{FC1A96A7-B107-4A76-9BCA-351E6EBF71DD}" type="datetimeFigureOut">
               <a:rPr lang="ru-RU" smtClean="0"/>
-              <a:t>02.12.2020</a:t>
+              <a:t>03.12.2020</a:t>
             </a:fld>
             <a:endParaRPr lang="ru-RU"/>
           </a:p>
@@ -2699,7 +2695,7 @@
           <a:p>
             <a:fld id="{FC1A96A7-B107-4A76-9BCA-351E6EBF71DD}" type="datetimeFigureOut">
               <a:rPr lang="ru-RU" smtClean="0"/>
-              <a:t>02.12.2020</a:t>
+              <a:t>03.12.2020</a:t>
             </a:fld>
             <a:endParaRPr lang="ru-RU"/>
           </a:p>
@@ -2952,7 +2948,7 @@
           <a:p>
             <a:fld id="{FC1A96A7-B107-4A76-9BCA-351E6EBF71DD}" type="datetimeFigureOut">
               <a:rPr lang="ru-RU" smtClean="0"/>
-              <a:t>02.12.2020</a:t>
+              <a:t>03.12.2020</a:t>
             </a:fld>
             <a:endParaRPr lang="ru-RU"/>
           </a:p>
@@ -3165,7 +3161,7 @@
           <a:p>
             <a:fld id="{FC1A96A7-B107-4A76-9BCA-351E6EBF71DD}" type="datetimeFigureOut">
               <a:rPr lang="ru-RU" smtClean="0"/>
-              <a:t>02.12.2020</a:t>
+              <a:t>03.12.2020</a:t>
             </a:fld>
             <a:endParaRPr lang="ru-RU"/>
           </a:p>
@@ -4291,15 +4287,7 @@
             </a:r>
             <a:r>
               <a:rPr lang="ru-RU" sz="3200" dirty="0" smtClean="0"/>
-              <a:t>на</a:t>
-            </a:r>
-            <a:r>
-              <a:rPr lang="ru-RU" sz="3200" dirty="0" smtClean="0"/>
-              <a:t> </a:t>
-            </a:r>
-            <a:r>
-              <a:rPr lang="ru-RU" sz="3200" dirty="0" smtClean="0"/>
-              <a:t>базе архетипа </a:t>
+              <a:t>на базе архетипа </a:t>
             </a:r>
             <a:r>
               <a:rPr lang="en-US" sz="3200" dirty="0" smtClean="0"/>
@@ -4354,11 +4342,7 @@
             </a:pPr>
             <a:r>
               <a:rPr lang="ru-RU" sz="3200" dirty="0" smtClean="0"/>
-              <a:t>Создаем </a:t>
-            </a:r>
-            <a:r>
-              <a:rPr lang="ru-RU" sz="3200" dirty="0" smtClean="0"/>
-              <a:t>класс </a:t>
+              <a:t>Создаем класс </a:t>
             </a:r>
             <a:r>
               <a:rPr lang="uk-UA" sz="3200" dirty="0" smtClean="0"/>
@@ -4366,11 +4350,7 @@
             </a:r>
             <a:r>
               <a:rPr lang="ru-RU" sz="3200" dirty="0" smtClean="0"/>
-              <a:t> </a:t>
-            </a:r>
-            <a:r>
-              <a:rPr lang="ru-RU" sz="3200" dirty="0" smtClean="0"/>
-              <a:t>производный от </a:t>
+              <a:t> производный от </a:t>
             </a:r>
             <a:r>
               <a:rPr lang="en-US" sz="3200" b="1" dirty="0" err="1" smtClean="0"/>
@@ -4407,7 +4387,6 @@
               <a:rPr lang="en-US" sz="3200" dirty="0" smtClean="0"/>
               <a:t>)</a:t>
             </a:r>
-            <a:endParaRPr lang="en-US" sz="3200" dirty="0" smtClean="0"/>
           </a:p>
           <a:p>
             <a:pPr marL="457200" indent="-457200">
@@ -4415,11 +4394,7 @@
             </a:pPr>
             <a:r>
               <a:rPr lang="ru-RU" sz="3200" dirty="0" smtClean="0"/>
-              <a:t>Регистрируем </a:t>
-            </a:r>
-            <a:r>
-              <a:rPr lang="ru-RU" sz="3200" dirty="0" smtClean="0"/>
-              <a:t>через </a:t>
+              <a:t>Регистрируем через </a:t>
             </a:r>
             <a:r>
               <a:rPr lang="en-US" sz="3200" b="1" dirty="0" err="1" smtClean="0"/>
@@ -6945,150 +6920,6 @@
 </file>
 
 <file path=ppt/slides/slide27.xml><?xml version="1.0" encoding="utf-8"?>
-<p:sld xmlns:a="http://schemas.openxmlformats.org/drawingml/2006/main" xmlns:r="http://schemas.openxmlformats.org/officeDocument/2006/relationships" xmlns:p="http://schemas.openxmlformats.org/presentationml/2006/main">
-  <p:cSld>
-    <p:spTree>
-      <p:nvGrpSpPr>
-        <p:cNvPr id="1" name=""/>
-        <p:cNvGrpSpPr/>
-        <p:nvPr/>
-      </p:nvGrpSpPr>
-      <p:grpSpPr>
-        <a:xfrm>
-          <a:off x="0" y="0"/>
-          <a:ext cx="0" cy="0"/>
-          <a:chOff x="0" y="0"/>
-          <a:chExt cx="0" cy="0"/>
-        </a:xfrm>
-      </p:grpSpPr>
-      <p:sp>
-        <p:nvSpPr>
-          <p:cNvPr id="2" name="Title 1"/>
-          <p:cNvSpPr>
-            <a:spLocks noGrp="1"/>
-          </p:cNvSpPr>
-          <p:nvPr>
-            <p:ph type="title"/>
-          </p:nvPr>
-        </p:nvSpPr>
-        <p:spPr/>
-        <p:txBody>
-          <a:bodyPr/>
-          <a:lstStyle/>
-          <a:p>
-            <a:r>
-              <a:rPr lang="en-US" dirty="0"/>
-              <a:t>Replies</a:t>
-            </a:r>
-            <a:endParaRPr lang="ru-RU" dirty="0"/>
-          </a:p>
-        </p:txBody>
-      </p:sp>
-      <p:pic>
-        <p:nvPicPr>
-          <p:cNvPr id="3" name="Picture 2"/>
-          <p:cNvPicPr>
-            <a:picLocks noChangeAspect="1"/>
-          </p:cNvPicPr>
-          <p:nvPr/>
-        </p:nvPicPr>
-        <p:blipFill>
-          <a:blip r:embed="rId2"/>
-          <a:stretch>
-            <a:fillRect/>
-          </a:stretch>
-        </p:blipFill>
-        <p:spPr>
-          <a:xfrm>
-            <a:off x="796516" y="1268760"/>
-            <a:ext cx="10598968" cy="5470698"/>
-          </a:xfrm>
-          <a:prstGeom prst="rect">
-            <a:avLst/>
-          </a:prstGeom>
-        </p:spPr>
-      </p:pic>
-    </p:spTree>
-    <p:extLst>
-      <p:ext uri="{BB962C8B-B14F-4D97-AF65-F5344CB8AC3E}">
-        <p14:creationId xmlns:p14="http://schemas.microsoft.com/office/powerpoint/2010/main" val="1974506904"/>
-      </p:ext>
-    </p:extLst>
-  </p:cSld>
-  <p:clrMapOvr>
-    <a:masterClrMapping/>
-  </p:clrMapOvr>
-  <p:timing>
-    <p:tnLst>
-      <p:par>
-        <p:cTn id="1" dur="indefinite" restart="never" nodeType="tmRoot"/>
-      </p:par>
-    </p:tnLst>
-  </p:timing>
-</p:sld>
-</file>
-
-<file path=ppt/slides/slide28.xml><?xml version="1.0" encoding="utf-8"?>
-<p:sld xmlns:a="http://schemas.openxmlformats.org/drawingml/2006/main" xmlns:r="http://schemas.openxmlformats.org/officeDocument/2006/relationships" xmlns:p="http://schemas.openxmlformats.org/presentationml/2006/main">
-  <p:cSld>
-    <p:spTree>
-      <p:nvGrpSpPr>
-        <p:cNvPr id="1" name=""/>
-        <p:cNvGrpSpPr/>
-        <p:nvPr/>
-      </p:nvGrpSpPr>
-      <p:grpSpPr>
-        <a:xfrm>
-          <a:off x="0" y="0"/>
-          <a:ext cx="0" cy="0"/>
-          <a:chOff x="0" y="0"/>
-          <a:chExt cx="0" cy="0"/>
-        </a:xfrm>
-      </p:grpSpPr>
-      <p:sp>
-        <p:nvSpPr>
-          <p:cNvPr id="2" name="Title 1"/>
-          <p:cNvSpPr>
-            <a:spLocks noGrp="1"/>
-          </p:cNvSpPr>
-          <p:nvPr>
-            <p:ph type="title"/>
-          </p:nvPr>
-        </p:nvSpPr>
-        <p:spPr/>
-        <p:txBody>
-          <a:bodyPr/>
-          <a:lstStyle/>
-          <a:p>
-            <a:r>
-              <a:rPr lang="en-US" dirty="0"/>
-              <a:t>Ability Reply</a:t>
-            </a:r>
-            <a:endParaRPr lang="ru-RU" dirty="0"/>
-          </a:p>
-        </p:txBody>
-      </p:sp>
-    </p:spTree>
-    <p:extLst>
-      <p:ext uri="{BB962C8B-B14F-4D97-AF65-F5344CB8AC3E}">
-        <p14:creationId xmlns:p14="http://schemas.microsoft.com/office/powerpoint/2010/main" val="4017405983"/>
-      </p:ext>
-    </p:extLst>
-  </p:cSld>
-  <p:clrMapOvr>
-    <a:masterClrMapping/>
-  </p:clrMapOvr>
-  <p:timing>
-    <p:tnLst>
-      <p:par>
-        <p:cTn id="1" dur="indefinite" restart="never" nodeType="tmRoot"/>
-      </p:par>
-    </p:tnLst>
-  </p:timing>
-</p:sld>
-</file>
-
-<file path=ppt/slides/slide29.xml><?xml version="1.0" encoding="utf-8"?>
 <p:sld xmlns:a="http://schemas.openxmlformats.org/drawingml/2006/main" xmlns:r="http://schemas.openxmlformats.org/officeDocument/2006/relationships" xmlns:p="http://schemas.openxmlformats.org/presentationml/2006/main">
   <p:cSld>
     <p:spTree>

--- a/docs/lesson_telegram_bot.pptx
+++ b/docs/lesson_telegram_bot.pptx
@@ -5,7 +5,7 @@
     <p:sldMasterId id="2147483648" r:id="rId1"/>
   </p:sldMasterIdLst>
   <p:notesMasterIdLst>
-    <p:notesMasterId r:id="rId29"/>
+    <p:notesMasterId r:id="rId31"/>
   </p:notesMasterIdLst>
   <p:sldIdLst>
     <p:sldId id="256" r:id="rId2"/>
@@ -34,7 +34,9 @@
     <p:sldId id="349" r:id="rId25"/>
     <p:sldId id="347" r:id="rId26"/>
     <p:sldId id="350" r:id="rId27"/>
-    <p:sldId id="305" r:id="rId28"/>
+    <p:sldId id="351" r:id="rId28"/>
+    <p:sldId id="352" r:id="rId29"/>
+    <p:sldId id="305" r:id="rId30"/>
   </p:sldIdLst>
   <p:sldSz cx="12192000" cy="6858000"/>
   <p:notesSz cx="6858000" cy="9144000"/>
@@ -164,6 +166,8 @@
             <p14:sldId id="349"/>
             <p14:sldId id="347"/>
             <p14:sldId id="350"/>
+            <p14:sldId id="351"/>
+            <p14:sldId id="352"/>
           </p14:sldIdLst>
         </p14:section>
         <p14:section name="Untitled Section" id="{03EDBFE7-8776-46A4-ACAB-D76136498E89}">
@@ -539,6 +543,94 @@
     </a:lvl9pPr>
   </p:notesStyle>
 </p:notesMaster>
+</file>
+
+<file path=ppt/notesSlides/notesSlide1.xml><?xml version="1.0" encoding="utf-8"?>
+<p:notes xmlns:a="http://schemas.openxmlformats.org/drawingml/2006/main" xmlns:r="http://schemas.openxmlformats.org/officeDocument/2006/relationships" xmlns:p="http://schemas.openxmlformats.org/presentationml/2006/main">
+  <p:cSld>
+    <p:spTree>
+      <p:nvGrpSpPr>
+        <p:cNvPr id="1" name=""/>
+        <p:cNvGrpSpPr/>
+        <p:nvPr/>
+      </p:nvGrpSpPr>
+      <p:grpSpPr>
+        <a:xfrm>
+          <a:off x="0" y="0"/>
+          <a:ext cx="0" cy="0"/>
+          <a:chOff x="0" y="0"/>
+          <a:chExt cx="0" cy="0"/>
+        </a:xfrm>
+      </p:grpSpPr>
+      <p:sp>
+        <p:nvSpPr>
+          <p:cNvPr id="2" name="Slide Image Placeholder 1"/>
+          <p:cNvSpPr>
+            <a:spLocks noGrp="1" noRot="1" noChangeAspect="1"/>
+          </p:cNvSpPr>
+          <p:nvPr>
+            <p:ph type="sldImg"/>
+          </p:nvPr>
+        </p:nvSpPr>
+        <p:spPr/>
+      </p:sp>
+      <p:sp>
+        <p:nvSpPr>
+          <p:cNvPr id="3" name="Notes Placeholder 2"/>
+          <p:cNvSpPr>
+            <a:spLocks noGrp="1"/>
+          </p:cNvSpPr>
+          <p:nvPr>
+            <p:ph type="body" idx="1"/>
+          </p:nvPr>
+        </p:nvSpPr>
+        <p:spPr/>
+        <p:txBody>
+          <a:bodyPr/>
+          <a:lstStyle/>
+          <a:p>
+            <a:r>
+              <a:rPr lang="en-US" dirty="0" smtClean="0"/>
+              <a:t>https://github.com/openlesson/telegram-bot-template</a:t>
+            </a:r>
+            <a:endParaRPr lang="ru-RU" dirty="0"/>
+          </a:p>
+        </p:txBody>
+      </p:sp>
+      <p:sp>
+        <p:nvSpPr>
+          <p:cNvPr id="4" name="Slide Number Placeholder 3"/>
+          <p:cNvSpPr>
+            <a:spLocks noGrp="1"/>
+          </p:cNvSpPr>
+          <p:nvPr>
+            <p:ph type="sldNum" sz="quarter" idx="10"/>
+          </p:nvPr>
+        </p:nvSpPr>
+        <p:spPr/>
+        <p:txBody>
+          <a:bodyPr/>
+          <a:lstStyle/>
+          <a:p>
+            <a:fld id="{38124FED-4CA1-4743-990A-A60408BE717C}" type="slidenum">
+              <a:rPr lang="ru-RU" smtClean="0"/>
+              <a:t>24</a:t>
+            </a:fld>
+            <a:endParaRPr lang="ru-RU"/>
+          </a:p>
+        </p:txBody>
+      </p:sp>
+    </p:spTree>
+    <p:extLst>
+      <p:ext uri="{BB962C8B-B14F-4D97-AF65-F5344CB8AC3E}">
+        <p14:creationId xmlns:p14="http://schemas.microsoft.com/office/powerpoint/2010/main" val="2241952192"/>
+      </p:ext>
+    </p:extLst>
+  </p:cSld>
+  <p:clrMapOvr>
+    <a:masterClrMapping/>
+  </p:clrMapOvr>
+</p:notes>
 </file>
 
 <file path=ppt/slideLayouts/slideLayout1.xml><?xml version="1.0" encoding="utf-8"?>
@@ -3802,6 +3894,47 @@
           </a:prstGeom>
         </p:spPr>
       </p:pic>
+      <p:sp>
+        <p:nvSpPr>
+          <p:cNvPr id="4" name="Rectangle 3"/>
+          <p:cNvSpPr/>
+          <p:nvPr/>
+        </p:nvSpPr>
+        <p:spPr>
+          <a:xfrm>
+            <a:off x="9002762" y="6526242"/>
+            <a:ext cx="3115468" cy="369332"/>
+          </a:xfrm>
+          <a:prstGeom prst="rect">
+            <a:avLst/>
+          </a:prstGeom>
+        </p:spPr>
+        <p:txBody>
+          <a:bodyPr wrap="none">
+            <a:spAutoFit/>
+          </a:bodyPr>
+          <a:lstStyle/>
+          <a:p>
+            <a:r>
+              <a:rPr lang="en-US" dirty="0">
+                <a:hlinkClick r:id="rId5"/>
+              </a:rPr>
+              <a:t>https://</a:t>
+            </a:r>
+            <a:r>
+              <a:rPr lang="en-US" dirty="0" smtClean="0">
+                <a:hlinkClick r:id="rId5"/>
+              </a:rPr>
+              <a:t>tlgrm.ru/docs/bots/api</a:t>
+            </a:r>
+            <a:r>
+              <a:rPr lang="en-US" dirty="0" smtClean="0"/>
+              <a:t> </a:t>
+            </a:r>
+            <a:endParaRPr lang="ru-RU" dirty="0"/>
+          </a:p>
+        </p:txBody>
+      </p:sp>
     </p:spTree>
     <p:extLst>
       <p:ext uri="{BB962C8B-B14F-4D97-AF65-F5344CB8AC3E}">
@@ -4728,7 +4861,7 @@
         </p:blipFill>
         <p:spPr>
           <a:xfrm>
-            <a:off x="10416480" y="5301208"/>
+            <a:off x="10497836" y="5116542"/>
             <a:ext cx="1409700" cy="1409700"/>
           </a:xfrm>
           <a:prstGeom prst="rect">
@@ -4736,6 +4869,47 @@
           </a:prstGeom>
         </p:spPr>
       </p:pic>
+      <p:sp>
+        <p:nvSpPr>
+          <p:cNvPr id="3" name="Rectangle 2"/>
+          <p:cNvSpPr/>
+          <p:nvPr/>
+        </p:nvSpPr>
+        <p:spPr>
+          <a:xfrm>
+            <a:off x="8097949" y="6465282"/>
+            <a:ext cx="3980642" cy="369332"/>
+          </a:xfrm>
+          <a:prstGeom prst="rect">
+            <a:avLst/>
+          </a:prstGeom>
+        </p:spPr>
+        <p:txBody>
+          <a:bodyPr wrap="none">
+            <a:spAutoFit/>
+          </a:bodyPr>
+          <a:lstStyle/>
+          <a:p>
+            <a:r>
+              <a:rPr lang="en-US" dirty="0">
+                <a:hlinkClick r:id="rId4"/>
+              </a:rPr>
+              <a:t>https://</a:t>
+            </a:r>
+            <a:r>
+              <a:rPr lang="en-US" dirty="0" smtClean="0">
+                <a:hlinkClick r:id="rId4"/>
+              </a:rPr>
+              <a:t>core.telegram.org/bots/samples</a:t>
+            </a:r>
+            <a:r>
+              <a:rPr lang="en-US" dirty="0" smtClean="0"/>
+              <a:t> </a:t>
+            </a:r>
+            <a:endParaRPr lang="ru-RU" dirty="0"/>
+          </a:p>
+        </p:txBody>
+      </p:sp>
     </p:spTree>
     <p:extLst>
       <p:ext uri="{BB962C8B-B14F-4D97-AF65-F5344CB8AC3E}">
@@ -4926,18 +5100,15 @@
           <a:p>
             <a:r>
               <a:rPr lang="ru-RU" dirty="0" smtClean="0"/>
-              <a:t>Как создать своего бота?</a:t>
-            </a:r>
-            <a:endParaRPr lang="ru-RU" dirty="0"/>
-          </a:p>
-          <a:p>
-            <a:r>
-              <a:rPr lang="ru-RU" dirty="0" smtClean="0"/>
               <a:t>Почему</a:t>
             </a:r>
             <a:r>
               <a:rPr lang="en-US" dirty="0" smtClean="0"/>
-              <a:t> Java?</a:t>
+              <a:t> </a:t>
+            </a:r>
+            <a:r>
+              <a:rPr lang="en-US" dirty="0" smtClean="0"/>
+              <a:t>Java?</a:t>
             </a:r>
             <a:endParaRPr lang="ru-RU" dirty="0" smtClean="0"/>
           </a:p>
@@ -4957,9 +5128,31 @@
           </a:p>
           <a:p>
             <a:r>
+              <a:rPr lang="ru-RU" dirty="0"/>
+              <a:t>Как создать своего </a:t>
+            </a:r>
+            <a:r>
               <a:rPr lang="ru-RU" dirty="0" smtClean="0"/>
-              <a:t>Возможности </a:t>
-            </a:r>
+              <a:t>бота на </a:t>
+            </a:r>
+            <a:r>
+              <a:rPr lang="en-US" dirty="0" smtClean="0"/>
+              <a:t>Java</a:t>
+            </a:r>
+            <a:r>
+              <a:rPr lang="ru-RU" dirty="0" smtClean="0"/>
+              <a:t>?</a:t>
+            </a:r>
+            <a:endParaRPr lang="en-US" dirty="0" smtClean="0"/>
+          </a:p>
+          <a:p>
+            <a:r>
+              <a:rPr lang="ru-RU" dirty="0" smtClean="0"/>
+              <a:t>Что дальше?</a:t>
+            </a:r>
+            <a:endParaRPr lang="ru-RU" dirty="0"/>
+          </a:p>
+          <a:p>
             <a:endParaRPr lang="en-US" dirty="0" smtClean="0"/>
           </a:p>
           <a:p>
@@ -5448,6 +5641,71 @@
           </a:p>
         </p:txBody>
       </p:sp>
+      <p:pic>
+        <p:nvPicPr>
+          <p:cNvPr id="2" name="Picture 1"/>
+          <p:cNvPicPr>
+            <a:picLocks noChangeAspect="1"/>
+          </p:cNvPicPr>
+          <p:nvPr/>
+        </p:nvPicPr>
+        <p:blipFill>
+          <a:blip r:embed="rId3"/>
+          <a:stretch>
+            <a:fillRect/>
+          </a:stretch>
+        </p:blipFill>
+        <p:spPr>
+          <a:xfrm>
+            <a:off x="10344472" y="4895031"/>
+            <a:ext cx="1562100" cy="1562100"/>
+          </a:xfrm>
+          <a:prstGeom prst="rect">
+            <a:avLst/>
+          </a:prstGeom>
+        </p:spPr>
+      </p:pic>
+      <p:sp>
+        <p:nvSpPr>
+          <p:cNvPr id="5" name="Rectangle 4"/>
+          <p:cNvSpPr/>
+          <p:nvPr/>
+        </p:nvSpPr>
+        <p:spPr>
+          <a:xfrm>
+            <a:off x="6600056" y="6457131"/>
+            <a:ext cx="5414944" cy="369332"/>
+          </a:xfrm>
+          <a:prstGeom prst="rect">
+            <a:avLst/>
+          </a:prstGeom>
+        </p:spPr>
+        <p:txBody>
+          <a:bodyPr wrap="none">
+            <a:spAutoFit/>
+          </a:bodyPr>
+          <a:lstStyle/>
+          <a:p>
+            <a:r>
+              <a:rPr lang="en-US" dirty="0">
+                <a:hlinkClick r:id="rId4"/>
+              </a:rPr>
+              <a:t>https://</a:t>
+            </a:r>
+            <a:r>
+              <a:rPr lang="en-US" dirty="0" smtClean="0">
+                <a:hlinkClick r:id="rId4"/>
+              </a:rPr>
+              <a:t>github.com/openlesson/telegram-bot-template</a:t>
+            </a:r>
+            <a:r>
+              <a:rPr lang="en-US" dirty="0" smtClean="0"/>
+              <a:t> </a:t>
+            </a:r>
+            <a:endParaRPr lang="ru-RU" dirty="0"/>
+          </a:p>
+        </p:txBody>
+      </p:sp>
     </p:spTree>
     <p:extLst>
       <p:ext uri="{BB962C8B-B14F-4D97-AF65-F5344CB8AC3E}">
@@ -6938,6 +7196,196 @@
       </p:grpSpPr>
       <p:sp>
         <p:nvSpPr>
+          <p:cNvPr id="2" name="Title 1"/>
+          <p:cNvSpPr>
+            <a:spLocks noGrp="1"/>
+          </p:cNvSpPr>
+          <p:nvPr>
+            <p:ph type="title"/>
+          </p:nvPr>
+        </p:nvSpPr>
+        <p:spPr/>
+        <p:txBody>
+          <a:bodyPr/>
+          <a:lstStyle/>
+          <a:p>
+            <a:r>
+              <a:rPr lang="ru-RU" dirty="0" smtClean="0"/>
+              <a:t>Бот погоды</a:t>
+            </a:r>
+            <a:endParaRPr lang="ru-RU" dirty="0"/>
+          </a:p>
+        </p:txBody>
+      </p:sp>
+      <p:pic>
+        <p:nvPicPr>
+          <p:cNvPr id="3" name="Picture 2"/>
+          <p:cNvPicPr>
+            <a:picLocks noChangeAspect="1"/>
+          </p:cNvPicPr>
+          <p:nvPr/>
+        </p:nvPicPr>
+        <p:blipFill>
+          <a:blip r:embed="rId2"/>
+          <a:stretch>
+            <a:fillRect/>
+          </a:stretch>
+        </p:blipFill>
+        <p:spPr>
+          <a:xfrm>
+            <a:off x="10049894" y="4941168"/>
+            <a:ext cx="1562100" cy="1562100"/>
+          </a:xfrm>
+          <a:prstGeom prst="rect">
+            <a:avLst/>
+          </a:prstGeom>
+        </p:spPr>
+      </p:pic>
+      <p:sp>
+        <p:nvSpPr>
+          <p:cNvPr id="4" name="Rectangle 3"/>
+          <p:cNvSpPr/>
+          <p:nvPr/>
+        </p:nvSpPr>
+        <p:spPr>
+          <a:xfrm>
+            <a:off x="6816080" y="6318602"/>
+            <a:ext cx="4940327" cy="369332"/>
+          </a:xfrm>
+          <a:prstGeom prst="rect">
+            <a:avLst/>
+          </a:prstGeom>
+        </p:spPr>
+        <p:txBody>
+          <a:bodyPr wrap="none">
+            <a:spAutoFit/>
+          </a:bodyPr>
+          <a:lstStyle/>
+          <a:p>
+            <a:r>
+              <a:rPr lang="en-US" dirty="0">
+                <a:hlinkClick r:id="rId3"/>
+              </a:rPr>
+              <a:t>https://</a:t>
+            </a:r>
+            <a:r>
+              <a:rPr lang="en-US" dirty="0" smtClean="0">
+                <a:hlinkClick r:id="rId3"/>
+              </a:rPr>
+              <a:t>github.com/openlesson/java-telegram-bot</a:t>
+            </a:r>
+            <a:r>
+              <a:rPr lang="en-US" dirty="0" smtClean="0"/>
+              <a:t> </a:t>
+            </a:r>
+            <a:endParaRPr lang="ru-RU" dirty="0"/>
+          </a:p>
+        </p:txBody>
+      </p:sp>
+    </p:spTree>
+    <p:extLst>
+      <p:ext uri="{BB962C8B-B14F-4D97-AF65-F5344CB8AC3E}">
+        <p14:creationId xmlns:p14="http://schemas.microsoft.com/office/powerpoint/2010/main" val="2000516981"/>
+      </p:ext>
+    </p:extLst>
+  </p:cSld>
+  <p:clrMapOvr>
+    <a:masterClrMapping/>
+  </p:clrMapOvr>
+</p:sld>
+</file>
+
+<file path=ppt/slides/slide28.xml><?xml version="1.0" encoding="utf-8"?>
+<p:sld xmlns:a="http://schemas.openxmlformats.org/drawingml/2006/main" xmlns:r="http://schemas.openxmlformats.org/officeDocument/2006/relationships" xmlns:p="http://schemas.openxmlformats.org/presentationml/2006/main">
+  <p:cSld>
+    <p:spTree>
+      <p:nvGrpSpPr>
+        <p:cNvPr id="1" name=""/>
+        <p:cNvGrpSpPr/>
+        <p:nvPr/>
+      </p:nvGrpSpPr>
+      <p:grpSpPr>
+        <a:xfrm>
+          <a:off x="0" y="0"/>
+          <a:ext cx="0" cy="0"/>
+          <a:chOff x="0" y="0"/>
+          <a:chExt cx="0" cy="0"/>
+        </a:xfrm>
+      </p:grpSpPr>
+      <p:sp>
+        <p:nvSpPr>
+          <p:cNvPr id="3" name="Title 2"/>
+          <p:cNvSpPr>
+            <a:spLocks noGrp="1"/>
+          </p:cNvSpPr>
+          <p:nvPr>
+            <p:ph type="title"/>
+          </p:nvPr>
+        </p:nvSpPr>
+        <p:spPr/>
+        <p:txBody>
+          <a:bodyPr/>
+          <a:lstStyle/>
+          <a:p>
+            <a:r>
+              <a:rPr lang="ru-RU" dirty="0" smtClean="0"/>
+              <a:t>Что дальше?</a:t>
+            </a:r>
+            <a:endParaRPr lang="ru-RU" dirty="0"/>
+          </a:p>
+        </p:txBody>
+      </p:sp>
+      <p:sp>
+        <p:nvSpPr>
+          <p:cNvPr id="4" name="Text Placeholder 3"/>
+          <p:cNvSpPr>
+            <a:spLocks noGrp="1"/>
+          </p:cNvSpPr>
+          <p:nvPr>
+            <p:ph type="body" idx="1"/>
+          </p:nvPr>
+        </p:nvSpPr>
+        <p:spPr/>
+        <p:txBody>
+          <a:bodyPr/>
+          <a:lstStyle/>
+          <a:p>
+            <a:endParaRPr lang="ru-RU"/>
+          </a:p>
+        </p:txBody>
+      </p:sp>
+    </p:spTree>
+    <p:extLst>
+      <p:ext uri="{BB962C8B-B14F-4D97-AF65-F5344CB8AC3E}">
+        <p14:creationId xmlns:p14="http://schemas.microsoft.com/office/powerpoint/2010/main" val="651573366"/>
+      </p:ext>
+    </p:extLst>
+  </p:cSld>
+  <p:clrMapOvr>
+    <a:masterClrMapping/>
+  </p:clrMapOvr>
+</p:sld>
+</file>
+
+<file path=ppt/slides/slide29.xml><?xml version="1.0" encoding="utf-8"?>
+<p:sld xmlns:a="http://schemas.openxmlformats.org/drawingml/2006/main" xmlns:r="http://schemas.openxmlformats.org/officeDocument/2006/relationships" xmlns:p="http://schemas.openxmlformats.org/presentationml/2006/main">
+  <p:cSld>
+    <p:spTree>
+      <p:nvGrpSpPr>
+        <p:cNvPr id="1" name=""/>
+        <p:cNvGrpSpPr/>
+        <p:nvPr/>
+      </p:nvGrpSpPr>
+      <p:grpSpPr>
+        <a:xfrm>
+          <a:off x="0" y="0"/>
+          <a:ext cx="0" cy="0"/>
+          <a:chOff x="0" y="0"/>
+          <a:chExt cx="0" cy="0"/>
+        </a:xfrm>
+      </p:grpSpPr>
+      <p:sp>
+        <p:nvSpPr>
           <p:cNvPr id="2" name="Заголовок 1"/>
           <p:cNvSpPr txBox="1">
             <a:spLocks/>
@@ -7122,7 +7570,7 @@
         </p:blipFill>
         <p:spPr>
           <a:xfrm>
-            <a:off x="10704512" y="5497514"/>
+            <a:off x="10766833" y="5326240"/>
             <a:ext cx="1257300" cy="1257300"/>
           </a:xfrm>
           <a:prstGeom prst="rect">
@@ -7130,6 +7578,47 @@
           </a:prstGeom>
         </p:spPr>
       </p:pic>
+      <p:sp>
+        <p:nvSpPr>
+          <p:cNvPr id="5" name="Rectangle 4"/>
+          <p:cNvSpPr/>
+          <p:nvPr/>
+        </p:nvSpPr>
+        <p:spPr>
+          <a:xfrm>
+            <a:off x="9394566" y="6488668"/>
+            <a:ext cx="2744534" cy="369332"/>
+          </a:xfrm>
+          <a:prstGeom prst="rect">
+            <a:avLst/>
+          </a:prstGeom>
+        </p:spPr>
+        <p:txBody>
+          <a:bodyPr wrap="none">
+            <a:spAutoFit/>
+          </a:bodyPr>
+          <a:lstStyle/>
+          <a:p>
+            <a:r>
+              <a:rPr lang="en-US" dirty="0">
+                <a:hlinkClick r:id="rId3"/>
+              </a:rPr>
+              <a:t>https://</a:t>
+            </a:r>
+            <a:r>
+              <a:rPr lang="en-US" dirty="0" smtClean="0">
+                <a:hlinkClick r:id="rId3"/>
+              </a:rPr>
+              <a:t>tlgrm.ru/docs/bots</a:t>
+            </a:r>
+            <a:r>
+              <a:rPr lang="en-US" dirty="0" smtClean="0"/>
+              <a:t> </a:t>
+            </a:r>
+            <a:endParaRPr lang="ru-RU" dirty="0"/>
+          </a:p>
+        </p:txBody>
+      </p:sp>
     </p:spTree>
     <p:extLst>
       <p:ext uri="{BB962C8B-B14F-4D97-AF65-F5344CB8AC3E}">
